--- a/Ultrasonic wave.pptx
+++ b/Ultrasonic wave.pptx
@@ -3396,7 +3396,7 @@
         <p:spPr>
           <a:xfrm>
             <a:off x="838200" y="1968560"/>
-            <a:ext cx="9865201" cy="4247317"/>
+            <a:ext cx="9865201" cy="3970318"/>
           </a:xfrm>
           <a:prstGeom prst="rect">
             <a:avLst/>
@@ -3482,13 +3482,6 @@
             <a:br>
               <a:rPr lang="en-US" dirty="0"/>
             </a:br>
-            <a:endParaRPr lang="en-US" dirty="0"/>
-          </a:p>
-          <a:p>
-            <a:pPr marL="742950" lvl="1" indent="-285750">
-              <a:buFont typeface="Arial" panose="020B0604020202020204" pitchFamily="34" charset="0"/>
-              <a:buChar char="•"/>
-            </a:pPr>
             <a:r>
               <a:rPr lang="en-US" dirty="0"/>
               <a:t> </a:t>
@@ -3801,8 +3794,8 @@
         </p:nvSpPr>
         <p:spPr>
           <a:xfrm>
-            <a:off x="2400886" y="1778474"/>
-            <a:ext cx="7390228" cy="2031325"/>
+            <a:off x="1559344" y="1778474"/>
+            <a:ext cx="9073318" cy="2031325"/>
           </a:xfrm>
           <a:prstGeom prst="rect">
             <a:avLst/>
@@ -3818,7 +3811,15 @@
             <a:pPr algn="just" rtl="1"/>
             <a:r>
               <a:rPr lang="he-IL" dirty="0"/>
-              <a:t>כאשר משרים שדה חשמלי על רכיב כימי טעון (למשל קריסטל שטעון נטרלי )</a:t>
+              <a:t>כאשר משרים שדה חשמלי (</a:t>
+            </a:r>
+            <a:r>
+              <a:rPr lang="en-US" dirty="0"/>
+              <a:t>AC</a:t>
+            </a:r>
+            <a:r>
+              <a:rPr lang="he-IL" dirty="0"/>
+              <a:t>) על רכיב כימי טעון (למשל קריסטל שטעון נטרלי )</a:t>
             </a:r>
             <a:endParaRPr lang="en-US" dirty="0"/>
           </a:p>
@@ -3833,7 +3834,7 @@
             <a:pPr algn="just" rtl="1"/>
             <a:r>
               <a:rPr lang="he-IL" dirty="0"/>
-              <a:t>למשל  עבור קריסטל השדה החיצוני יוצר ויבראציות שמייצרות שדה פנימי </a:t>
+              <a:t>למשל  עבור קריסטל השדה החיצוני יוצר ויבראציות מכניות שמייצרות שדה פנימי </a:t>
             </a:r>
             <a:br>
               <a:rPr lang="en-US" dirty="0"/>
@@ -3847,7 +3848,7 @@
             <a:pPr algn="just" rtl="1"/>
             <a:r>
               <a:rPr lang="he-IL" dirty="0"/>
-              <a:t>היחס בן שני שדות אלו יכול לבוא לידי ביטוי בהפרש פאזה וגם בהפרש אמפליטודה</a:t>
+              <a:t>היחס בן השדה החיצוני לזרם המושרה  יכול לבוא לידי ביטוי בהפרש פאזה וגם בהפרש אמפליטודה</a:t>
             </a:r>
           </a:p>
           <a:p>
@@ -4558,7 +4559,7 @@
         </p:nvSpPr>
         <p:spPr>
           <a:xfrm>
-            <a:off x="4772394" y="4366900"/>
+            <a:off x="4695482" y="4076343"/>
             <a:ext cx="1664174" cy="369332"/>
           </a:xfrm>
           <a:prstGeom prst="rect">
